--- a/PitchWaiterless.pptx
+++ b/PitchWaiterless.pptx
@@ -7,12 +7,13 @@
   <p:sldIdLst>
     <p:sldId id="256" r:id="rId2"/>
     <p:sldId id="257" r:id="rId3"/>
-    <p:sldId id="258" r:id="rId4"/>
-    <p:sldId id="260" r:id="rId5"/>
-    <p:sldId id="259" r:id="rId6"/>
-    <p:sldId id="261" r:id="rId7"/>
-    <p:sldId id="262" r:id="rId8"/>
-    <p:sldId id="263" r:id="rId9"/>
+    <p:sldId id="264" r:id="rId4"/>
+    <p:sldId id="258" r:id="rId5"/>
+    <p:sldId id="260" r:id="rId6"/>
+    <p:sldId id="259" r:id="rId7"/>
+    <p:sldId id="261" r:id="rId8"/>
+    <p:sldId id="262" r:id="rId9"/>
+    <p:sldId id="263" r:id="rId10"/>
   </p:sldIdLst>
   <p:sldSz cx="12192000" cy="6858000"/>
   <p:notesSz cx="6858000" cy="9144000"/>
@@ -111,6 +112,11 @@
       </a:defRPr>
     </a:lvl9pPr>
   </p:defaultTextStyle>
+  <p:extLst>
+    <p:ext uri="{EFAFB233-063F-42B5-8137-9DF3F51BA10A}">
+      <p15:sldGuideLst xmlns:p15="http://schemas.microsoft.com/office/powerpoint/2012/main"/>
+    </p:ext>
+  </p:extLst>
 </p:presentation>
 </file>
 
@@ -3412,7 +3418,7 @@
           <a:p>
             <a:r>
               <a:rPr lang="en-US" dirty="0" smtClean="0"/>
-              <a:t>Demo</a:t>
+              <a:t>Market size?</a:t>
             </a:r>
             <a:endParaRPr lang="lt-LT" dirty="0"/>
           </a:p>
@@ -3430,112 +3436,17 @@
         </p:nvSpPr>
         <p:spPr/>
         <p:txBody>
-          <a:bodyPr>
-            <a:normAutofit fontScale="92500" lnSpcReduction="20000"/>
-          </a:bodyPr>
-          <a:lstStyle/>
-          <a:p>
-            <a:pPr marL="0" indent="0">
-              <a:buNone/>
-            </a:pPr>
-            <a:r>
-              <a:rPr lang="en-US" dirty="0" smtClean="0"/>
-              <a:t>User flow:</a:t>
-            </a:r>
-          </a:p>
-          <a:p>
-            <a:pPr marL="514350" indent="-514350">
-              <a:buFont typeface="+mj-lt"/>
-              <a:buAutoNum type="arabicPeriod"/>
-            </a:pPr>
-            <a:r>
-              <a:rPr lang="en-US" dirty="0" smtClean="0"/>
-              <a:t>Identify yourself via QR</a:t>
-            </a:r>
-          </a:p>
-          <a:p>
-            <a:pPr marL="514350" indent="-514350">
-              <a:buFont typeface="+mj-lt"/>
-              <a:buAutoNum type="arabicPeriod"/>
-            </a:pPr>
-            <a:r>
-              <a:rPr lang="en-US" dirty="0" smtClean="0"/>
-              <a:t>Select items to order (special offer involved: got a Tornado pizza? Grab a cola and get dessert for free)</a:t>
-            </a:r>
-          </a:p>
-          <a:p>
-            <a:pPr marL="514350" indent="-514350">
-              <a:buFont typeface="+mj-lt"/>
-              <a:buAutoNum type="arabicPeriod"/>
-            </a:pPr>
-            <a:r>
-              <a:rPr lang="en-US" dirty="0" smtClean="0"/>
-              <a:t>Pay for order (by attached credit card)</a:t>
-            </a:r>
-          </a:p>
-          <a:p>
-            <a:pPr marL="514350" indent="-514350">
-              <a:buFont typeface="+mj-lt"/>
-              <a:buAutoNum type="arabicPeriod"/>
-            </a:pPr>
-            <a:r>
-              <a:rPr lang="en-US" dirty="0" smtClean="0"/>
-              <a:t>Track status</a:t>
-            </a:r>
-          </a:p>
-          <a:p>
-            <a:pPr marL="514350" indent="-514350">
-              <a:buFont typeface="+mj-lt"/>
-              <a:buAutoNum type="arabicPeriod"/>
-            </a:pPr>
-            <a:endParaRPr lang="en-US" dirty="0"/>
-          </a:p>
-          <a:p>
-            <a:pPr marL="0" indent="0">
-              <a:buNone/>
-            </a:pPr>
-            <a:r>
-              <a:rPr lang="en-US" dirty="0" smtClean="0"/>
-              <a:t>Restaurant flow:</a:t>
-            </a:r>
-          </a:p>
-          <a:p>
-            <a:pPr marL="514350" indent="-514350">
-              <a:buFont typeface="+mj-lt"/>
-              <a:buAutoNum type="arabicPeriod"/>
-            </a:pPr>
-            <a:r>
-              <a:rPr lang="en-US" dirty="0" smtClean="0"/>
-              <a:t>Manage menu via admin website</a:t>
-            </a:r>
-          </a:p>
-          <a:p>
-            <a:pPr marL="514350" indent="-514350">
-              <a:buFont typeface="+mj-lt"/>
-              <a:buAutoNum type="arabicPeriod"/>
-            </a:pPr>
-            <a:r>
-              <a:rPr lang="en-US" dirty="0" smtClean="0"/>
-              <a:t>Manage marketing/branding in app</a:t>
-            </a:r>
-          </a:p>
-          <a:p>
-            <a:pPr marL="514350" indent="-514350">
-              <a:buFont typeface="+mj-lt"/>
-              <a:buAutoNum type="arabicPeriod"/>
-            </a:pPr>
-            <a:r>
-              <a:rPr lang="en-US" dirty="0" smtClean="0"/>
-              <a:t>Change order status</a:t>
-            </a:r>
-            <a:endParaRPr lang="lt-LT" dirty="0"/>
+          <a:bodyPr/>
+          <a:lstStyle/>
+          <a:p>
+            <a:endParaRPr lang="lt-LT"/>
           </a:p>
         </p:txBody>
       </p:sp>
     </p:spTree>
     <p:extLst>
       <p:ext uri="{BB962C8B-B14F-4D97-AF65-F5344CB8AC3E}">
-        <p14:creationId xmlns:p14="http://schemas.microsoft.com/office/powerpoint/2010/main" val="2833915538"/>
+        <p14:creationId xmlns:p14="http://schemas.microsoft.com/office/powerpoint/2010/main" val="2828657162"/>
       </p:ext>
     </p:extLst>
   </p:cSld>
@@ -3578,8 +3489,8 @@
           <a:lstStyle/>
           <a:p>
             <a:r>
-              <a:rPr lang="lt-LT" dirty="0" smtClean="0"/>
-              <a:t>Business model</a:t>
+              <a:rPr lang="en-US" dirty="0" smtClean="0"/>
+              <a:t>Demo</a:t>
             </a:r>
             <a:endParaRPr lang="lt-LT" dirty="0"/>
           </a:p>
@@ -3597,61 +3508,103 @@
         </p:nvSpPr>
         <p:spPr/>
         <p:txBody>
-          <a:bodyPr/>
-          <a:lstStyle/>
-          <a:p>
-            <a:r>
-              <a:rPr lang="lt-LT" dirty="0" smtClean="0"/>
-              <a:t>Free </a:t>
-            </a:r>
+          <a:bodyPr>
+            <a:normAutofit fontScale="92500" lnSpcReduction="20000"/>
+          </a:bodyPr>
+          <a:lstStyle/>
+          <a:p>
+            <a:pPr marL="0" indent="0">
+              <a:buNone/>
+            </a:pPr>
             <a:r>
               <a:rPr lang="en-US" dirty="0" smtClean="0"/>
-              <a:t>monthly </a:t>
-            </a:r>
-            <a:r>
-              <a:rPr lang="lt-LT" dirty="0" smtClean="0"/>
-              <a:t>trial from the start (a mass of restaurants needed to succeed)</a:t>
-            </a:r>
-          </a:p>
-          <a:p>
+              <a:t>User flow:</a:t>
+            </a:r>
+          </a:p>
+          <a:p>
+            <a:pPr marL="514350" indent="-514350">
+              <a:buFont typeface="+mj-lt"/>
+              <a:buAutoNum type="arabicPeriod"/>
+            </a:pPr>
             <a:r>
               <a:rPr lang="en-US" dirty="0" smtClean="0"/>
-              <a:t>If it works - m</a:t>
-            </a:r>
-            <a:r>
-              <a:rPr lang="lt-LT" dirty="0" smtClean="0"/>
-              <a:t>onthly fee for the restaurant</a:t>
-            </a:r>
-          </a:p>
-          <a:p>
-            <a:pPr lvl="1"/>
-            <a:r>
-              <a:rPr lang="lt-LT" dirty="0" smtClean="0"/>
-              <a:t>Basic offer</a:t>
-            </a:r>
-          </a:p>
-          <a:p>
-            <a:pPr lvl="1"/>
-            <a:r>
-              <a:rPr lang="lt-LT" dirty="0" smtClean="0"/>
-              <a:t>Offer with restaurant‘s offers in the app</a:t>
-            </a:r>
-            <a:endParaRPr lang="en-US" dirty="0" smtClean="0"/>
-          </a:p>
-          <a:p>
-            <a:pPr marL="457200" lvl="1" indent="0">
-              <a:buNone/>
+              <a:t>Identify yourself via QR</a:t>
+            </a:r>
+          </a:p>
+          <a:p>
+            <a:pPr marL="514350" indent="-514350">
+              <a:buFont typeface="+mj-lt"/>
+              <a:buAutoNum type="arabicPeriod"/>
             </a:pPr>
-            <a:endParaRPr lang="lt-LT" dirty="0" smtClean="0"/>
-          </a:p>
-          <a:p>
-            <a:r>
-              <a:rPr lang="lt-LT" dirty="0" smtClean="0"/>
-              <a:t>Fixed percent (0-1</a:t>
-            </a:r>
             <a:r>
               <a:rPr lang="en-US" dirty="0" smtClean="0"/>
-              <a:t>%) from standard transaction</a:t>
+              <a:t>Select items to order (special offer involved: got a Tornado pizza? Grab a cola and get dessert for free)</a:t>
+            </a:r>
+          </a:p>
+          <a:p>
+            <a:pPr marL="514350" indent="-514350">
+              <a:buFont typeface="+mj-lt"/>
+              <a:buAutoNum type="arabicPeriod"/>
+            </a:pPr>
+            <a:r>
+              <a:rPr lang="en-US" dirty="0" smtClean="0"/>
+              <a:t>Pay for order (by attached credit card)</a:t>
+            </a:r>
+          </a:p>
+          <a:p>
+            <a:pPr marL="514350" indent="-514350">
+              <a:buFont typeface="+mj-lt"/>
+              <a:buAutoNum type="arabicPeriod"/>
+            </a:pPr>
+            <a:r>
+              <a:rPr lang="en-US" dirty="0" smtClean="0"/>
+              <a:t>Track status</a:t>
+            </a:r>
+          </a:p>
+          <a:p>
+            <a:pPr marL="514350" indent="-514350">
+              <a:buFont typeface="+mj-lt"/>
+              <a:buAutoNum type="arabicPeriod"/>
+            </a:pPr>
+            <a:endParaRPr lang="en-US" dirty="0"/>
+          </a:p>
+          <a:p>
+            <a:pPr marL="0" indent="0">
+              <a:buNone/>
+            </a:pPr>
+            <a:r>
+              <a:rPr lang="en-US" dirty="0" smtClean="0"/>
+              <a:t>Restaurant flow:</a:t>
+            </a:r>
+          </a:p>
+          <a:p>
+            <a:pPr marL="514350" indent="-514350">
+              <a:buFont typeface="+mj-lt"/>
+              <a:buAutoNum type="arabicPeriod"/>
+            </a:pPr>
+            <a:r>
+              <a:rPr lang="en-US" dirty="0" smtClean="0"/>
+              <a:t>Manage menu via admin website</a:t>
+            </a:r>
+          </a:p>
+          <a:p>
+            <a:pPr marL="514350" indent="-514350">
+              <a:buFont typeface="+mj-lt"/>
+              <a:buAutoNum type="arabicPeriod"/>
+            </a:pPr>
+            <a:r>
+              <a:rPr lang="en-US" dirty="0" smtClean="0"/>
+              <a:t>Manage marketing/branding in app</a:t>
+            </a:r>
+          </a:p>
+          <a:p>
+            <a:pPr marL="514350" indent="-514350">
+              <a:buFont typeface="+mj-lt"/>
+              <a:buAutoNum type="arabicPeriod"/>
+            </a:pPr>
+            <a:r>
+              <a:rPr lang="en-US" dirty="0" smtClean="0"/>
+              <a:t>Change order status</a:t>
             </a:r>
             <a:endParaRPr lang="lt-LT" dirty="0"/>
           </a:p>
@@ -3660,7 +3613,7 @@
     </p:spTree>
     <p:extLst>
       <p:ext uri="{BB962C8B-B14F-4D97-AF65-F5344CB8AC3E}">
-        <p14:creationId xmlns:p14="http://schemas.microsoft.com/office/powerpoint/2010/main" val="552778537"/>
+        <p14:creationId xmlns:p14="http://schemas.microsoft.com/office/powerpoint/2010/main" val="2833915538"/>
       </p:ext>
     </p:extLst>
   </p:cSld>
@@ -3704,7 +3657,7 @@
           <a:p>
             <a:r>
               <a:rPr lang="lt-LT" dirty="0" smtClean="0"/>
-              <a:t>Hackathon progress</a:t>
+              <a:t>Business model</a:t>
             </a:r>
             <a:endParaRPr lang="lt-LT" dirty="0"/>
           </a:p>
@@ -3722,96 +3675,70 @@
         </p:nvSpPr>
         <p:spPr/>
         <p:txBody>
-          <a:bodyPr>
-            <a:normAutofit/>
-          </a:bodyPr>
-          <a:lstStyle/>
-          <a:p>
+          <a:bodyPr/>
+          <a:lstStyle/>
+          <a:p>
+            <a:r>
+              <a:rPr lang="lt-LT" dirty="0" smtClean="0"/>
+              <a:t>Free </a:t>
+            </a:r>
             <a:r>
               <a:rPr lang="en-US" dirty="0" smtClean="0"/>
-              <a:t>Web app + mobile app </a:t>
+              <a:t>monthly </a:t>
             </a:r>
             <a:r>
               <a:rPr lang="lt-LT" dirty="0" smtClean="0"/>
-              <a:t>up and running </a:t>
-            </a:r>
+              <a:t>trial from the start (a mass of restaurants needed to succeed)</a:t>
+            </a:r>
+          </a:p>
+          <a:p>
             <a:r>
               <a:rPr lang="en-US" dirty="0" smtClean="0"/>
-              <a:t>(</a:t>
-            </a:r>
-            <a:r>
-              <a:rPr lang="en-US" dirty="0" err="1" smtClean="0"/>
-              <a:t>Aurimo</a:t>
+              <a:t>If it works - m</a:t>
+            </a:r>
+            <a:r>
+              <a:rPr lang="lt-LT" dirty="0" smtClean="0"/>
+              <a:t>onthly fee for the restaurant</a:t>
+            </a:r>
+          </a:p>
+          <a:p>
+            <a:pPr lvl="1"/>
+            <a:r>
+              <a:rPr lang="lt-LT" dirty="0" smtClean="0"/>
+              <a:t>Basic offer</a:t>
+            </a:r>
+          </a:p>
+          <a:p>
+            <a:pPr lvl="1"/>
+            <a:r>
+              <a:rPr lang="lt-LT" dirty="0" smtClean="0"/>
+              <a:t>Offer with restaurant‘s offers in the app</a:t>
+            </a:r>
+            <a:endParaRPr lang="en-US" dirty="0" smtClean="0"/>
+          </a:p>
+          <a:p>
+            <a:pPr marL="457200" lvl="1" indent="0">
+              <a:buNone/>
+            </a:pPr>
+            <a:endParaRPr lang="lt-LT" dirty="0" smtClean="0"/>
+          </a:p>
+          <a:p>
+            <a:r>
+              <a:rPr lang="lt-LT" dirty="0" smtClean="0"/>
+              <a:t>Fixed percent (0-1</a:t>
             </a:r>
             <a:r>
               <a:rPr lang="en-US" dirty="0" smtClean="0"/>
-              <a:t> diagram </a:t>
-            </a:r>
-            <a:r>
-              <a:rPr lang="en-US" dirty="0" err="1" smtClean="0"/>
-              <a:t>su</a:t>
-            </a:r>
-            <a:r>
-              <a:rPr lang="en-US" dirty="0" smtClean="0"/>
-              <a:t> </a:t>
-            </a:r>
-            <a:r>
-              <a:rPr lang="en-US" dirty="0" err="1" smtClean="0"/>
-              <a:t>i</a:t>
-            </a:r>
-            <a:r>
-              <a:rPr lang="lt-LT" dirty="0" smtClean="0"/>
-              <a:t>šryškintais veikiančiais taškais)</a:t>
-            </a:r>
-          </a:p>
-          <a:p>
-            <a:r>
-              <a:rPr lang="en-US" dirty="0" smtClean="0"/>
-              <a:t>Real-life insights</a:t>
-            </a:r>
-          </a:p>
-          <a:p>
-            <a:pPr lvl="1"/>
-            <a:r>
-              <a:rPr lang="lt-LT" dirty="0" smtClean="0"/>
-              <a:t>Tom from Jurgis and Drakonas/Brooklyn Brothers</a:t>
-            </a:r>
-          </a:p>
-          <a:p>
-            <a:pPr lvl="1"/>
-            <a:r>
-              <a:rPr lang="lt-LT" dirty="0" smtClean="0"/>
-              <a:t>Lėkštė.lt founder</a:t>
-            </a:r>
-          </a:p>
-          <a:p>
-            <a:r>
-              <a:rPr lang="en-US" dirty="0" smtClean="0"/>
-              <a:t>Integration research</a:t>
-            </a:r>
-          </a:p>
-          <a:p>
-            <a:pPr lvl="1"/>
-            <a:r>
-              <a:rPr lang="en-US" dirty="0" err="1" smtClean="0"/>
-              <a:t>Rkeeper</a:t>
-            </a:r>
-            <a:endParaRPr lang="en-US" dirty="0" smtClean="0"/>
-          </a:p>
-          <a:p>
-            <a:pPr lvl="1"/>
-            <a:r>
-              <a:rPr lang="en-US" dirty="0" smtClean="0"/>
-              <a:t>Payment (Stripe up and running)</a:t>
-            </a:r>
-            <a:endParaRPr lang="lt-LT" dirty="0" smtClean="0"/>
+              <a:t>%) from standard transaction</a:t>
+            </a:r>
+            <a:endParaRPr lang="lt-LT" dirty="0"/>
           </a:p>
         </p:txBody>
       </p:sp>
     </p:spTree>
     <p:extLst>
       <p:ext uri="{BB962C8B-B14F-4D97-AF65-F5344CB8AC3E}">
-        <p14:creationId xmlns:p14="http://schemas.microsoft.com/office/powerpoint/2010/main" val="1017940810"/>
+        <p14:creationId xmlns:p14="http://schemas.microsoft.com/office/powerpoint/2010/main" val="552778537"/>
       </p:ext>
     </p:extLst>
   </p:cSld>
@@ -3854,37 +3781,37 @@
           <a:lstStyle/>
           <a:p>
             <a:r>
+              <a:rPr lang="lt-LT" dirty="0" smtClean="0"/>
+              <a:t>Hackathon progress</a:t>
+            </a:r>
+            <a:endParaRPr lang="lt-LT" dirty="0"/>
+          </a:p>
+        </p:txBody>
+      </p:sp>
+      <p:sp>
+        <p:nvSpPr>
+          <p:cNvPr id="3" name="Content Placeholder 2"/>
+          <p:cNvSpPr>
+            <a:spLocks noGrp="1"/>
+          </p:cNvSpPr>
+          <p:nvPr>
+            <p:ph idx="1"/>
+          </p:nvPr>
+        </p:nvSpPr>
+        <p:spPr/>
+        <p:txBody>
+          <a:bodyPr>
+            <a:normAutofit/>
+          </a:bodyPr>
+          <a:lstStyle/>
+          <a:p>
+            <a:r>
               <a:rPr lang="en-US" dirty="0" smtClean="0"/>
-              <a:t>Next steps</a:t>
-            </a:r>
-            <a:endParaRPr lang="lt-LT" dirty="0"/>
-          </a:p>
-        </p:txBody>
-      </p:sp>
-      <p:sp>
-        <p:nvSpPr>
-          <p:cNvPr id="3" name="Content Placeholder 2"/>
-          <p:cNvSpPr>
-            <a:spLocks noGrp="1"/>
-          </p:cNvSpPr>
-          <p:nvPr>
-            <p:ph idx="1"/>
-          </p:nvPr>
-        </p:nvSpPr>
-        <p:spPr/>
-        <p:txBody>
-          <a:bodyPr/>
-          <a:lstStyle/>
-          <a:p>
-            <a:r>
-              <a:rPr lang="en-US" dirty="0" smtClean="0"/>
-              <a:t>UX</a:t>
-            </a:r>
-          </a:p>
-          <a:p>
-            <a:r>
-              <a:rPr lang="en-US" dirty="0" smtClean="0"/>
-              <a:t>Further discussions with related stakeholders </a:t>
+              <a:t>Web app + mobile app </a:t>
+            </a:r>
+            <a:r>
+              <a:rPr lang="lt-LT" dirty="0" smtClean="0"/>
+              <a:t>up and running </a:t>
             </a:r>
             <a:r>
               <a:rPr lang="en-US" dirty="0" smtClean="0"/>
@@ -3892,22 +3819,77 @@
             </a:r>
             <a:r>
               <a:rPr lang="en-US" dirty="0" err="1" smtClean="0"/>
+              <a:t>Aurimo</a:t>
+            </a:r>
+            <a:r>
+              <a:rPr lang="en-US" dirty="0" smtClean="0"/>
+              <a:t> diagram </a:t>
+            </a:r>
+            <a:r>
+              <a:rPr lang="en-US" dirty="0" err="1" smtClean="0"/>
+              <a:t>su</a:t>
+            </a:r>
+            <a:r>
+              <a:rPr lang="en-US" dirty="0" smtClean="0"/>
+              <a:t> </a:t>
+            </a:r>
+            <a:r>
+              <a:rPr lang="en-US" dirty="0" err="1" smtClean="0"/>
+              <a:t>i</a:t>
+            </a:r>
+            <a:r>
+              <a:rPr lang="lt-LT" dirty="0" smtClean="0"/>
+              <a:t>šryškintais veikiančiais taškais)</a:t>
+            </a:r>
+          </a:p>
+          <a:p>
+            <a:r>
+              <a:rPr lang="en-US" dirty="0" smtClean="0"/>
+              <a:t>Real-life insights</a:t>
+            </a:r>
+          </a:p>
+          <a:p>
+            <a:pPr lvl="1"/>
+            <a:r>
+              <a:rPr lang="lt-LT" dirty="0" smtClean="0"/>
+              <a:t>Tom from Jurgis and Drakonas/Brooklyn Brothers</a:t>
+            </a:r>
+          </a:p>
+          <a:p>
+            <a:pPr lvl="1"/>
+            <a:r>
+              <a:rPr lang="lt-LT" dirty="0" smtClean="0"/>
+              <a:t>Lėkštė.lt founder</a:t>
+            </a:r>
+          </a:p>
+          <a:p>
+            <a:r>
+              <a:rPr lang="en-US" dirty="0" smtClean="0"/>
+              <a:t>Integration research</a:t>
+            </a:r>
+          </a:p>
+          <a:p>
+            <a:pPr lvl="1"/>
+            <a:r>
+              <a:rPr lang="en-US" dirty="0" err="1" smtClean="0"/>
               <a:t>Rkeeper</a:t>
             </a:r>
+            <a:endParaRPr lang="en-US" dirty="0" smtClean="0"/>
+          </a:p>
+          <a:p>
+            <a:pPr lvl="1"/>
             <a:r>
               <a:rPr lang="en-US" dirty="0" smtClean="0"/>
-              <a:t>, restaurant owners)</a:t>
-            </a:r>
-          </a:p>
-          <a:p>
-            <a:endParaRPr lang="lt-LT" dirty="0"/>
+              <a:t>Payment (Stripe up and running)</a:t>
+            </a:r>
+            <a:endParaRPr lang="lt-LT" dirty="0" smtClean="0"/>
           </a:p>
         </p:txBody>
       </p:sp>
     </p:spTree>
     <p:extLst>
       <p:ext uri="{BB962C8B-B14F-4D97-AF65-F5344CB8AC3E}">
-        <p14:creationId xmlns:p14="http://schemas.microsoft.com/office/powerpoint/2010/main" val="3789862220"/>
+        <p14:creationId xmlns:p14="http://schemas.microsoft.com/office/powerpoint/2010/main" val="1017940810"/>
       </p:ext>
     </p:extLst>
   </p:cSld>
@@ -3951,6 +3933,98 @@
           <a:p>
             <a:r>
               <a:rPr lang="en-US" dirty="0" smtClean="0"/>
+              <a:t>Next steps</a:t>
+            </a:r>
+            <a:endParaRPr lang="lt-LT" dirty="0"/>
+          </a:p>
+        </p:txBody>
+      </p:sp>
+      <p:sp>
+        <p:nvSpPr>
+          <p:cNvPr id="3" name="Content Placeholder 2"/>
+          <p:cNvSpPr>
+            <a:spLocks noGrp="1"/>
+          </p:cNvSpPr>
+          <p:nvPr>
+            <p:ph idx="1"/>
+          </p:nvPr>
+        </p:nvSpPr>
+        <p:spPr/>
+        <p:txBody>
+          <a:bodyPr/>
+          <a:lstStyle/>
+          <a:p>
+            <a:r>
+              <a:rPr lang="en-US" dirty="0" smtClean="0"/>
+              <a:t>UX</a:t>
+            </a:r>
+          </a:p>
+          <a:p>
+            <a:r>
+              <a:rPr lang="en-US" dirty="0" smtClean="0"/>
+              <a:t>Further discussions with related stakeholders (</a:t>
+            </a:r>
+            <a:r>
+              <a:rPr lang="en-US" dirty="0" err="1" smtClean="0"/>
+              <a:t>Rkeeper</a:t>
+            </a:r>
+            <a:r>
+              <a:rPr lang="en-US" dirty="0" smtClean="0"/>
+              <a:t>, restaurant owners)</a:t>
+            </a:r>
+          </a:p>
+          <a:p>
+            <a:endParaRPr lang="lt-LT" dirty="0"/>
+          </a:p>
+        </p:txBody>
+      </p:sp>
+    </p:spTree>
+    <p:extLst>
+      <p:ext uri="{BB962C8B-B14F-4D97-AF65-F5344CB8AC3E}">
+        <p14:creationId xmlns:p14="http://schemas.microsoft.com/office/powerpoint/2010/main" val="3789862220"/>
+      </p:ext>
+    </p:extLst>
+  </p:cSld>
+  <p:clrMapOvr>
+    <a:masterClrMapping/>
+  </p:clrMapOvr>
+</p:sld>
+</file>
+
+<file path=ppt/slides/slide8.xml><?xml version="1.0" encoding="utf-8"?>
+<p:sld xmlns:a="http://schemas.openxmlformats.org/drawingml/2006/main" xmlns:r="http://schemas.openxmlformats.org/officeDocument/2006/relationships" xmlns:p="http://schemas.openxmlformats.org/presentationml/2006/main">
+  <p:cSld>
+    <p:spTree>
+      <p:nvGrpSpPr>
+        <p:cNvPr id="1" name=""/>
+        <p:cNvGrpSpPr/>
+        <p:nvPr/>
+      </p:nvGrpSpPr>
+      <p:grpSpPr>
+        <a:xfrm>
+          <a:off x="0" y="0"/>
+          <a:ext cx="0" cy="0"/>
+          <a:chOff x="0" y="0"/>
+          <a:chExt cx="0" cy="0"/>
+        </a:xfrm>
+      </p:grpSpPr>
+      <p:sp>
+        <p:nvSpPr>
+          <p:cNvPr id="2" name="Title 1"/>
+          <p:cNvSpPr>
+            <a:spLocks noGrp="1"/>
+          </p:cNvSpPr>
+          <p:nvPr>
+            <p:ph type="title"/>
+          </p:nvPr>
+        </p:nvSpPr>
+        <p:spPr/>
+        <p:txBody>
+          <a:bodyPr/>
+          <a:lstStyle/>
+          <a:p>
+            <a:r>
+              <a:rPr lang="en-US" dirty="0" smtClean="0"/>
               <a:t>Team</a:t>
             </a:r>
             <a:endParaRPr lang="lt-LT" dirty="0"/>
@@ -4003,7 +4077,7 @@
 </p:sld>
 </file>
 
-<file path=ppt/slides/slide8.xml><?xml version="1.0" encoding="utf-8"?>
+<file path=ppt/slides/slide9.xml><?xml version="1.0" encoding="utf-8"?>
 <p:sld xmlns:a="http://schemas.openxmlformats.org/drawingml/2006/main" xmlns:r="http://schemas.openxmlformats.org/officeDocument/2006/relationships" xmlns:p="http://schemas.openxmlformats.org/presentationml/2006/main">
   <p:cSld>
     <p:spTree>
